--- a/Isot ja keskikokoiset ruudut.pptx
+++ b/Isot ja keskikokoiset ruudut.pptx
@@ -261,7 +261,7 @@
           <a:p>
             <a:fld id="{6D71E3E2-6087-4271-9C6A-FEBF0CDFB6DB}" type="datetimeFigureOut">
               <a:rPr lang="fi-FI" smtClean="0"/>
-              <a:t>21.2.2018</a:t>
+              <a:t>23.2.2018</a:t>
             </a:fld>
             <a:endParaRPr lang="fi-FI"/>
           </a:p>
@@ -431,7 +431,7 @@
           <a:p>
             <a:fld id="{6D71E3E2-6087-4271-9C6A-FEBF0CDFB6DB}" type="datetimeFigureOut">
               <a:rPr lang="fi-FI" smtClean="0"/>
-              <a:t>21.2.2018</a:t>
+              <a:t>23.2.2018</a:t>
             </a:fld>
             <a:endParaRPr lang="fi-FI"/>
           </a:p>
@@ -611,7 +611,7 @@
           <a:p>
             <a:fld id="{6D71E3E2-6087-4271-9C6A-FEBF0CDFB6DB}" type="datetimeFigureOut">
               <a:rPr lang="fi-FI" smtClean="0"/>
-              <a:t>21.2.2018</a:t>
+              <a:t>23.2.2018</a:t>
             </a:fld>
             <a:endParaRPr lang="fi-FI"/>
           </a:p>
@@ -781,7 +781,7 @@
           <a:p>
             <a:fld id="{6D71E3E2-6087-4271-9C6A-FEBF0CDFB6DB}" type="datetimeFigureOut">
               <a:rPr lang="fi-FI" smtClean="0"/>
-              <a:t>21.2.2018</a:t>
+              <a:t>23.2.2018</a:t>
             </a:fld>
             <a:endParaRPr lang="fi-FI"/>
           </a:p>
@@ -1027,7 +1027,7 @@
           <a:p>
             <a:fld id="{6D71E3E2-6087-4271-9C6A-FEBF0CDFB6DB}" type="datetimeFigureOut">
               <a:rPr lang="fi-FI" smtClean="0"/>
-              <a:t>21.2.2018</a:t>
+              <a:t>23.2.2018</a:t>
             </a:fld>
             <a:endParaRPr lang="fi-FI"/>
           </a:p>
@@ -1259,7 +1259,7 @@
           <a:p>
             <a:fld id="{6D71E3E2-6087-4271-9C6A-FEBF0CDFB6DB}" type="datetimeFigureOut">
               <a:rPr lang="fi-FI" smtClean="0"/>
-              <a:t>21.2.2018</a:t>
+              <a:t>23.2.2018</a:t>
             </a:fld>
             <a:endParaRPr lang="fi-FI"/>
           </a:p>
@@ -1626,7 +1626,7 @@
           <a:p>
             <a:fld id="{6D71E3E2-6087-4271-9C6A-FEBF0CDFB6DB}" type="datetimeFigureOut">
               <a:rPr lang="fi-FI" smtClean="0"/>
-              <a:t>21.2.2018</a:t>
+              <a:t>23.2.2018</a:t>
             </a:fld>
             <a:endParaRPr lang="fi-FI"/>
           </a:p>
@@ -1744,7 +1744,7 @@
           <a:p>
             <a:fld id="{6D71E3E2-6087-4271-9C6A-FEBF0CDFB6DB}" type="datetimeFigureOut">
               <a:rPr lang="fi-FI" smtClean="0"/>
-              <a:t>21.2.2018</a:t>
+              <a:t>23.2.2018</a:t>
             </a:fld>
             <a:endParaRPr lang="fi-FI"/>
           </a:p>
@@ -1839,7 +1839,7 @@
           <a:p>
             <a:fld id="{6D71E3E2-6087-4271-9C6A-FEBF0CDFB6DB}" type="datetimeFigureOut">
               <a:rPr lang="fi-FI" smtClean="0"/>
-              <a:t>21.2.2018</a:t>
+              <a:t>23.2.2018</a:t>
             </a:fld>
             <a:endParaRPr lang="fi-FI"/>
           </a:p>
@@ -2116,7 +2116,7 @@
           <a:p>
             <a:fld id="{6D71E3E2-6087-4271-9C6A-FEBF0CDFB6DB}" type="datetimeFigureOut">
               <a:rPr lang="fi-FI" smtClean="0"/>
-              <a:t>21.2.2018</a:t>
+              <a:t>23.2.2018</a:t>
             </a:fld>
             <a:endParaRPr lang="fi-FI"/>
           </a:p>
@@ -2369,7 +2369,7 @@
           <a:p>
             <a:fld id="{6D71E3E2-6087-4271-9C6A-FEBF0CDFB6DB}" type="datetimeFigureOut">
               <a:rPr lang="fi-FI" smtClean="0"/>
-              <a:t>21.2.2018</a:t>
+              <a:t>23.2.2018</a:t>
             </a:fld>
             <a:endParaRPr lang="fi-FI"/>
           </a:p>
@@ -2582,7 +2582,7 @@
           <a:p>
             <a:fld id="{6D71E3E2-6087-4271-9C6A-FEBF0CDFB6DB}" type="datetimeFigureOut">
               <a:rPr lang="fi-FI" smtClean="0"/>
-              <a:t>21.2.2018</a:t>
+              <a:t>23.2.2018</a:t>
             </a:fld>
             <a:endParaRPr lang="fi-FI"/>
           </a:p>
@@ -3851,7 +3851,7 @@
           <a:lstStyle/>
           <a:p>
             <a:pPr algn="ctr"/>
-            <a:endParaRPr lang="fi-FI"/>
+            <a:endParaRPr lang="fi-FI" dirty="0"/>
           </a:p>
         </p:txBody>
       </p:sp>
@@ -4013,8 +4013,8 @@
         </p:nvSpPr>
         <p:spPr>
           <a:xfrm>
-            <a:off x="2232008" y="3888381"/>
-            <a:ext cx="4365494" cy="369332"/>
+            <a:off x="2232007" y="3888381"/>
+            <a:ext cx="5573643" cy="646331"/>
           </a:xfrm>
           <a:prstGeom prst="rect">
             <a:avLst/>
@@ -4029,7 +4029,21 @@
           <a:p>
             <a:r>
               <a:rPr lang="fi-FI" dirty="0" smtClean="0"/>
-              <a:t>Turnaukseen ilmoittautuminen</a:t>
+              <a:t>Turnaukseen </a:t>
+            </a:r>
+            <a:r>
+              <a:rPr lang="fi-FI" dirty="0" smtClean="0"/>
+              <a:t>ilmoittautuminen</a:t>
+            </a:r>
+          </a:p>
+          <a:p>
+            <a:r>
+              <a:rPr lang="fi-FI" dirty="0"/>
+              <a:t>	</a:t>
+            </a:r>
+            <a:r>
+              <a:rPr lang="fi-FI" dirty="0" smtClean="0"/>
+              <a:t>		Pöytäpaikan varaaminen</a:t>
             </a:r>
             <a:endParaRPr lang="fi-FI" dirty="0"/>
           </a:p>
@@ -4233,7 +4247,7 @@
         </p:nvSpPr>
         <p:spPr>
           <a:xfrm>
-            <a:off x="3770217" y="5456204"/>
+            <a:off x="3722768" y="6421819"/>
             <a:ext cx="2490441" cy="319174"/>
           </a:xfrm>
           <a:prstGeom prst="rect">
@@ -4264,6 +4278,1967 @@
               <a:t>Ilmoittaudu</a:t>
             </a:r>
             <a:endParaRPr lang="fi-FI" dirty="0"/>
+          </a:p>
+        </p:txBody>
+      </p:sp>
+      <p:sp>
+        <p:nvSpPr>
+          <p:cNvPr id="25" name="Rectangle 24"/>
+          <p:cNvSpPr/>
+          <p:nvPr/>
+        </p:nvSpPr>
+        <p:spPr>
+          <a:xfrm>
+            <a:off x="3117317" y="4511274"/>
+            <a:ext cx="5054138" cy="1545150"/>
+          </a:xfrm>
+          <a:prstGeom prst="rect">
+            <a:avLst/>
+          </a:prstGeom>
+        </p:spPr>
+        <p:style>
+          <a:lnRef idx="2">
+            <a:schemeClr val="accent6"/>
+          </a:lnRef>
+          <a:fillRef idx="1">
+            <a:schemeClr val="lt1"/>
+          </a:fillRef>
+          <a:effectRef idx="0">
+            <a:schemeClr val="accent6"/>
+          </a:effectRef>
+          <a:fontRef idx="minor">
+            <a:schemeClr val="dk1"/>
+          </a:fontRef>
+        </p:style>
+        <p:txBody>
+          <a:bodyPr rtlCol="0" anchor="ctr"/>
+          <a:lstStyle/>
+          <a:p>
+            <a:pPr algn="ctr"/>
+            <a:endParaRPr lang="fi-FI"/>
+          </a:p>
+        </p:txBody>
+      </p:sp>
+      <p:sp>
+        <p:nvSpPr>
+          <p:cNvPr id="26" name="Rectangle 25"/>
+          <p:cNvSpPr/>
+          <p:nvPr/>
+        </p:nvSpPr>
+        <p:spPr>
+          <a:xfrm>
+            <a:off x="3448116" y="4768049"/>
+            <a:ext cx="288989" cy="149629"/>
+          </a:xfrm>
+          <a:prstGeom prst="rect">
+            <a:avLst/>
+          </a:prstGeom>
+          <a:solidFill>
+            <a:schemeClr val="accent6"/>
+          </a:solidFill>
+        </p:spPr>
+        <p:style>
+          <a:lnRef idx="2">
+            <a:schemeClr val="accent1">
+              <a:shade val="50000"/>
+            </a:schemeClr>
+          </a:lnRef>
+          <a:fillRef idx="1">
+            <a:schemeClr val="accent1"/>
+          </a:fillRef>
+          <a:effectRef idx="0">
+            <a:schemeClr val="accent1"/>
+          </a:effectRef>
+          <a:fontRef idx="minor">
+            <a:schemeClr val="lt1"/>
+          </a:fontRef>
+        </p:style>
+        <p:txBody>
+          <a:bodyPr rtlCol="0" anchor="ctr"/>
+          <a:lstStyle/>
+          <a:p>
+            <a:pPr algn="ctr"/>
+            <a:endParaRPr lang="fi-FI"/>
+          </a:p>
+        </p:txBody>
+      </p:sp>
+      <p:sp>
+        <p:nvSpPr>
+          <p:cNvPr id="27" name="Rectangle 26"/>
+          <p:cNvSpPr/>
+          <p:nvPr/>
+        </p:nvSpPr>
+        <p:spPr>
+          <a:xfrm>
+            <a:off x="3791571" y="4768048"/>
+            <a:ext cx="288989" cy="149629"/>
+          </a:xfrm>
+          <a:prstGeom prst="rect">
+            <a:avLst/>
+          </a:prstGeom>
+        </p:spPr>
+        <p:style>
+          <a:lnRef idx="2">
+            <a:schemeClr val="accent1">
+              <a:shade val="50000"/>
+            </a:schemeClr>
+          </a:lnRef>
+          <a:fillRef idx="1">
+            <a:schemeClr val="accent1"/>
+          </a:fillRef>
+          <a:effectRef idx="0">
+            <a:schemeClr val="accent1"/>
+          </a:effectRef>
+          <a:fontRef idx="minor">
+            <a:schemeClr val="lt1"/>
+          </a:fontRef>
+        </p:style>
+        <p:txBody>
+          <a:bodyPr rtlCol="0" anchor="ctr"/>
+          <a:lstStyle/>
+          <a:p>
+            <a:pPr algn="ctr"/>
+            <a:endParaRPr lang="fi-FI"/>
+          </a:p>
+        </p:txBody>
+      </p:sp>
+      <p:sp>
+        <p:nvSpPr>
+          <p:cNvPr id="28" name="Rectangle 27"/>
+          <p:cNvSpPr/>
+          <p:nvPr/>
+        </p:nvSpPr>
+        <p:spPr>
+          <a:xfrm>
+            <a:off x="4133299" y="4762534"/>
+            <a:ext cx="288989" cy="149629"/>
+          </a:xfrm>
+          <a:prstGeom prst="rect">
+            <a:avLst/>
+          </a:prstGeom>
+        </p:spPr>
+        <p:style>
+          <a:lnRef idx="2">
+            <a:schemeClr val="accent1">
+              <a:shade val="50000"/>
+            </a:schemeClr>
+          </a:lnRef>
+          <a:fillRef idx="1">
+            <a:schemeClr val="accent1"/>
+          </a:fillRef>
+          <a:effectRef idx="0">
+            <a:schemeClr val="accent1"/>
+          </a:effectRef>
+          <a:fontRef idx="minor">
+            <a:schemeClr val="lt1"/>
+          </a:fontRef>
+        </p:style>
+        <p:txBody>
+          <a:bodyPr rtlCol="0" anchor="ctr"/>
+          <a:lstStyle/>
+          <a:p>
+            <a:pPr algn="ctr"/>
+            <a:endParaRPr lang="fi-FI"/>
+          </a:p>
+        </p:txBody>
+      </p:sp>
+      <p:sp>
+        <p:nvSpPr>
+          <p:cNvPr id="29" name="Rectangle 28"/>
+          <p:cNvSpPr/>
+          <p:nvPr/>
+        </p:nvSpPr>
+        <p:spPr>
+          <a:xfrm>
+            <a:off x="4481357" y="4767999"/>
+            <a:ext cx="288989" cy="149629"/>
+          </a:xfrm>
+          <a:prstGeom prst="rect">
+            <a:avLst/>
+          </a:prstGeom>
+        </p:spPr>
+        <p:style>
+          <a:lnRef idx="2">
+            <a:schemeClr val="accent1">
+              <a:shade val="50000"/>
+            </a:schemeClr>
+          </a:lnRef>
+          <a:fillRef idx="1">
+            <a:schemeClr val="accent1"/>
+          </a:fillRef>
+          <a:effectRef idx="0">
+            <a:schemeClr val="accent1"/>
+          </a:effectRef>
+          <a:fontRef idx="minor">
+            <a:schemeClr val="lt1"/>
+          </a:fontRef>
+        </p:style>
+        <p:txBody>
+          <a:bodyPr rtlCol="0" anchor="ctr"/>
+          <a:lstStyle/>
+          <a:p>
+            <a:pPr algn="ctr"/>
+            <a:endParaRPr lang="fi-FI"/>
+          </a:p>
+        </p:txBody>
+      </p:sp>
+      <p:sp>
+        <p:nvSpPr>
+          <p:cNvPr id="30" name="Rectangle 29"/>
+          <p:cNvSpPr/>
+          <p:nvPr/>
+        </p:nvSpPr>
+        <p:spPr>
+          <a:xfrm>
+            <a:off x="4835174" y="4767999"/>
+            <a:ext cx="288989" cy="149629"/>
+          </a:xfrm>
+          <a:prstGeom prst="rect">
+            <a:avLst/>
+          </a:prstGeom>
+        </p:spPr>
+        <p:style>
+          <a:lnRef idx="2">
+            <a:schemeClr val="accent1">
+              <a:shade val="50000"/>
+            </a:schemeClr>
+          </a:lnRef>
+          <a:fillRef idx="1">
+            <a:schemeClr val="accent1"/>
+          </a:fillRef>
+          <a:effectRef idx="0">
+            <a:schemeClr val="accent1"/>
+          </a:effectRef>
+          <a:fontRef idx="minor">
+            <a:schemeClr val="lt1"/>
+          </a:fontRef>
+        </p:style>
+        <p:txBody>
+          <a:bodyPr rtlCol="0" anchor="ctr"/>
+          <a:lstStyle/>
+          <a:p>
+            <a:pPr algn="ctr"/>
+            <a:endParaRPr lang="fi-FI"/>
+          </a:p>
+        </p:txBody>
+      </p:sp>
+      <p:sp>
+        <p:nvSpPr>
+          <p:cNvPr id="31" name="Rectangle 30"/>
+          <p:cNvSpPr/>
+          <p:nvPr/>
+        </p:nvSpPr>
+        <p:spPr>
+          <a:xfrm>
+            <a:off x="5171143" y="4777686"/>
+            <a:ext cx="288989" cy="149629"/>
+          </a:xfrm>
+          <a:prstGeom prst="rect">
+            <a:avLst/>
+          </a:prstGeom>
+        </p:spPr>
+        <p:style>
+          <a:lnRef idx="2">
+            <a:schemeClr val="accent1">
+              <a:shade val="50000"/>
+            </a:schemeClr>
+          </a:lnRef>
+          <a:fillRef idx="1">
+            <a:schemeClr val="accent1"/>
+          </a:fillRef>
+          <a:effectRef idx="0">
+            <a:schemeClr val="accent1"/>
+          </a:effectRef>
+          <a:fontRef idx="minor">
+            <a:schemeClr val="lt1"/>
+          </a:fontRef>
+        </p:style>
+        <p:txBody>
+          <a:bodyPr rtlCol="0" anchor="ctr"/>
+          <a:lstStyle/>
+          <a:p>
+            <a:pPr algn="ctr"/>
+            <a:endParaRPr lang="fi-FI"/>
+          </a:p>
+        </p:txBody>
+      </p:sp>
+      <p:sp>
+        <p:nvSpPr>
+          <p:cNvPr id="32" name="Rectangle 31"/>
+          <p:cNvSpPr/>
+          <p:nvPr/>
+        </p:nvSpPr>
+        <p:spPr>
+          <a:xfrm>
+            <a:off x="5171143" y="5018074"/>
+            <a:ext cx="288989" cy="149629"/>
+          </a:xfrm>
+          <a:prstGeom prst="rect">
+            <a:avLst/>
+          </a:prstGeom>
+        </p:spPr>
+        <p:style>
+          <a:lnRef idx="2">
+            <a:schemeClr val="accent1">
+              <a:shade val="50000"/>
+            </a:schemeClr>
+          </a:lnRef>
+          <a:fillRef idx="1">
+            <a:schemeClr val="accent1"/>
+          </a:fillRef>
+          <a:effectRef idx="0">
+            <a:schemeClr val="accent1"/>
+          </a:effectRef>
+          <a:fontRef idx="minor">
+            <a:schemeClr val="lt1"/>
+          </a:fontRef>
+        </p:style>
+        <p:txBody>
+          <a:bodyPr rtlCol="0" anchor="ctr"/>
+          <a:lstStyle/>
+          <a:p>
+            <a:pPr algn="ctr"/>
+            <a:endParaRPr lang="fi-FI"/>
+          </a:p>
+        </p:txBody>
+      </p:sp>
+      <p:sp>
+        <p:nvSpPr>
+          <p:cNvPr id="33" name="Rectangle 32"/>
+          <p:cNvSpPr/>
+          <p:nvPr/>
+        </p:nvSpPr>
+        <p:spPr>
+          <a:xfrm>
+            <a:off x="3441560" y="5027593"/>
+            <a:ext cx="288989" cy="149629"/>
+          </a:xfrm>
+          <a:prstGeom prst="rect">
+            <a:avLst/>
+          </a:prstGeom>
+        </p:spPr>
+        <p:style>
+          <a:lnRef idx="2">
+            <a:schemeClr val="accent1">
+              <a:shade val="50000"/>
+            </a:schemeClr>
+          </a:lnRef>
+          <a:fillRef idx="1">
+            <a:schemeClr val="accent1"/>
+          </a:fillRef>
+          <a:effectRef idx="0">
+            <a:schemeClr val="accent1"/>
+          </a:effectRef>
+          <a:fontRef idx="minor">
+            <a:schemeClr val="lt1"/>
+          </a:fontRef>
+        </p:style>
+        <p:txBody>
+          <a:bodyPr rtlCol="0" anchor="ctr"/>
+          <a:lstStyle/>
+          <a:p>
+            <a:pPr algn="ctr"/>
+            <a:endParaRPr lang="fi-FI"/>
+          </a:p>
+        </p:txBody>
+      </p:sp>
+      <p:sp>
+        <p:nvSpPr>
+          <p:cNvPr id="34" name="Rectangle 33"/>
+          <p:cNvSpPr/>
+          <p:nvPr/>
+        </p:nvSpPr>
+        <p:spPr>
+          <a:xfrm>
+            <a:off x="3791570" y="5018075"/>
+            <a:ext cx="288989" cy="149629"/>
+          </a:xfrm>
+          <a:prstGeom prst="rect">
+            <a:avLst/>
+          </a:prstGeom>
+        </p:spPr>
+        <p:style>
+          <a:lnRef idx="2">
+            <a:schemeClr val="accent1">
+              <a:shade val="50000"/>
+            </a:schemeClr>
+          </a:lnRef>
+          <a:fillRef idx="1">
+            <a:schemeClr val="accent1"/>
+          </a:fillRef>
+          <a:effectRef idx="0">
+            <a:schemeClr val="accent1"/>
+          </a:effectRef>
+          <a:fontRef idx="minor">
+            <a:schemeClr val="lt1"/>
+          </a:fontRef>
+        </p:style>
+        <p:txBody>
+          <a:bodyPr rtlCol="0" anchor="ctr"/>
+          <a:lstStyle/>
+          <a:p>
+            <a:pPr algn="ctr"/>
+            <a:endParaRPr lang="fi-FI"/>
+          </a:p>
+        </p:txBody>
+      </p:sp>
+      <p:sp>
+        <p:nvSpPr>
+          <p:cNvPr id="35" name="Rectangle 34"/>
+          <p:cNvSpPr/>
+          <p:nvPr/>
+        </p:nvSpPr>
+        <p:spPr>
+          <a:xfrm>
+            <a:off x="4122028" y="5018075"/>
+            <a:ext cx="288989" cy="149629"/>
+          </a:xfrm>
+          <a:prstGeom prst="rect">
+            <a:avLst/>
+          </a:prstGeom>
+        </p:spPr>
+        <p:style>
+          <a:lnRef idx="2">
+            <a:schemeClr val="accent1">
+              <a:shade val="50000"/>
+            </a:schemeClr>
+          </a:lnRef>
+          <a:fillRef idx="1">
+            <a:schemeClr val="accent1"/>
+          </a:fillRef>
+          <a:effectRef idx="0">
+            <a:schemeClr val="accent1"/>
+          </a:effectRef>
+          <a:fontRef idx="minor">
+            <a:schemeClr val="lt1"/>
+          </a:fontRef>
+        </p:style>
+        <p:txBody>
+          <a:bodyPr rtlCol="0" anchor="ctr"/>
+          <a:lstStyle/>
+          <a:p>
+            <a:pPr algn="ctr"/>
+            <a:endParaRPr lang="fi-FI"/>
+          </a:p>
+        </p:txBody>
+      </p:sp>
+      <p:sp>
+        <p:nvSpPr>
+          <p:cNvPr id="36" name="Rectangle 35"/>
+          <p:cNvSpPr/>
+          <p:nvPr/>
+        </p:nvSpPr>
+        <p:spPr>
+          <a:xfrm>
+            <a:off x="4478601" y="5018075"/>
+            <a:ext cx="288989" cy="149629"/>
+          </a:xfrm>
+          <a:prstGeom prst="rect">
+            <a:avLst/>
+          </a:prstGeom>
+        </p:spPr>
+        <p:style>
+          <a:lnRef idx="2">
+            <a:schemeClr val="accent1">
+              <a:shade val="50000"/>
+            </a:schemeClr>
+          </a:lnRef>
+          <a:fillRef idx="1">
+            <a:schemeClr val="accent1"/>
+          </a:fillRef>
+          <a:effectRef idx="0">
+            <a:schemeClr val="accent1"/>
+          </a:effectRef>
+          <a:fontRef idx="minor">
+            <a:schemeClr val="lt1"/>
+          </a:fontRef>
+        </p:style>
+        <p:txBody>
+          <a:bodyPr rtlCol="0" anchor="ctr"/>
+          <a:lstStyle/>
+          <a:p>
+            <a:pPr algn="ctr"/>
+            <a:endParaRPr lang="fi-FI"/>
+          </a:p>
+        </p:txBody>
+      </p:sp>
+      <p:sp>
+        <p:nvSpPr>
+          <p:cNvPr id="37" name="Rectangle 36"/>
+          <p:cNvSpPr/>
+          <p:nvPr/>
+        </p:nvSpPr>
+        <p:spPr>
+          <a:xfrm>
+            <a:off x="4835174" y="5018075"/>
+            <a:ext cx="288989" cy="149629"/>
+          </a:xfrm>
+          <a:prstGeom prst="rect">
+            <a:avLst/>
+          </a:prstGeom>
+        </p:spPr>
+        <p:style>
+          <a:lnRef idx="2">
+            <a:schemeClr val="accent1">
+              <a:shade val="50000"/>
+            </a:schemeClr>
+          </a:lnRef>
+          <a:fillRef idx="1">
+            <a:schemeClr val="accent1"/>
+          </a:fillRef>
+          <a:effectRef idx="0">
+            <a:schemeClr val="accent1"/>
+          </a:effectRef>
+          <a:fontRef idx="minor">
+            <a:schemeClr val="lt1"/>
+          </a:fontRef>
+        </p:style>
+        <p:txBody>
+          <a:bodyPr rtlCol="0" anchor="ctr"/>
+          <a:lstStyle/>
+          <a:p>
+            <a:pPr algn="ctr"/>
+            <a:endParaRPr lang="fi-FI"/>
+          </a:p>
+        </p:txBody>
+      </p:sp>
+      <p:sp>
+        <p:nvSpPr>
+          <p:cNvPr id="38" name="Rectangle 37"/>
+          <p:cNvSpPr/>
+          <p:nvPr/>
+        </p:nvSpPr>
+        <p:spPr>
+          <a:xfrm>
+            <a:off x="3448116" y="5330965"/>
+            <a:ext cx="288989" cy="149629"/>
+          </a:xfrm>
+          <a:prstGeom prst="rect">
+            <a:avLst/>
+          </a:prstGeom>
+        </p:spPr>
+        <p:style>
+          <a:lnRef idx="2">
+            <a:schemeClr val="accent1">
+              <a:shade val="50000"/>
+            </a:schemeClr>
+          </a:lnRef>
+          <a:fillRef idx="1">
+            <a:schemeClr val="accent1"/>
+          </a:fillRef>
+          <a:effectRef idx="0">
+            <a:schemeClr val="accent1"/>
+          </a:effectRef>
+          <a:fontRef idx="minor">
+            <a:schemeClr val="lt1"/>
+          </a:fontRef>
+        </p:style>
+        <p:txBody>
+          <a:bodyPr rtlCol="0" anchor="ctr"/>
+          <a:lstStyle/>
+          <a:p>
+            <a:pPr algn="ctr"/>
+            <a:endParaRPr lang="fi-FI"/>
+          </a:p>
+        </p:txBody>
+      </p:sp>
+      <p:sp>
+        <p:nvSpPr>
+          <p:cNvPr id="39" name="Rectangle 38"/>
+          <p:cNvSpPr/>
+          <p:nvPr/>
+        </p:nvSpPr>
+        <p:spPr>
+          <a:xfrm>
+            <a:off x="3791571" y="5330964"/>
+            <a:ext cx="288989" cy="149629"/>
+          </a:xfrm>
+          <a:prstGeom prst="rect">
+            <a:avLst/>
+          </a:prstGeom>
+        </p:spPr>
+        <p:style>
+          <a:lnRef idx="2">
+            <a:schemeClr val="accent1">
+              <a:shade val="50000"/>
+            </a:schemeClr>
+          </a:lnRef>
+          <a:fillRef idx="1">
+            <a:schemeClr val="accent1"/>
+          </a:fillRef>
+          <a:effectRef idx="0">
+            <a:schemeClr val="accent1"/>
+          </a:effectRef>
+          <a:fontRef idx="minor">
+            <a:schemeClr val="lt1"/>
+          </a:fontRef>
+        </p:style>
+        <p:txBody>
+          <a:bodyPr rtlCol="0" anchor="ctr"/>
+          <a:lstStyle/>
+          <a:p>
+            <a:pPr algn="ctr"/>
+            <a:endParaRPr lang="fi-FI"/>
+          </a:p>
+        </p:txBody>
+      </p:sp>
+      <p:sp>
+        <p:nvSpPr>
+          <p:cNvPr id="40" name="Rectangle 39"/>
+          <p:cNvSpPr/>
+          <p:nvPr/>
+        </p:nvSpPr>
+        <p:spPr>
+          <a:xfrm>
+            <a:off x="4133299" y="5325450"/>
+            <a:ext cx="288989" cy="149629"/>
+          </a:xfrm>
+          <a:prstGeom prst="rect">
+            <a:avLst/>
+          </a:prstGeom>
+        </p:spPr>
+        <p:style>
+          <a:lnRef idx="2">
+            <a:schemeClr val="accent1">
+              <a:shade val="50000"/>
+            </a:schemeClr>
+          </a:lnRef>
+          <a:fillRef idx="1">
+            <a:schemeClr val="accent1"/>
+          </a:fillRef>
+          <a:effectRef idx="0">
+            <a:schemeClr val="accent1"/>
+          </a:effectRef>
+          <a:fontRef idx="minor">
+            <a:schemeClr val="lt1"/>
+          </a:fontRef>
+        </p:style>
+        <p:txBody>
+          <a:bodyPr rtlCol="0" anchor="ctr"/>
+          <a:lstStyle/>
+          <a:p>
+            <a:pPr algn="ctr"/>
+            <a:endParaRPr lang="fi-FI"/>
+          </a:p>
+        </p:txBody>
+      </p:sp>
+      <p:sp>
+        <p:nvSpPr>
+          <p:cNvPr id="41" name="Rectangle 40"/>
+          <p:cNvSpPr/>
+          <p:nvPr/>
+        </p:nvSpPr>
+        <p:spPr>
+          <a:xfrm>
+            <a:off x="4481357" y="5330915"/>
+            <a:ext cx="288989" cy="149629"/>
+          </a:xfrm>
+          <a:prstGeom prst="rect">
+            <a:avLst/>
+          </a:prstGeom>
+        </p:spPr>
+        <p:style>
+          <a:lnRef idx="2">
+            <a:schemeClr val="accent1">
+              <a:shade val="50000"/>
+            </a:schemeClr>
+          </a:lnRef>
+          <a:fillRef idx="1">
+            <a:schemeClr val="accent1"/>
+          </a:fillRef>
+          <a:effectRef idx="0">
+            <a:schemeClr val="accent1"/>
+          </a:effectRef>
+          <a:fontRef idx="minor">
+            <a:schemeClr val="lt1"/>
+          </a:fontRef>
+        </p:style>
+        <p:txBody>
+          <a:bodyPr rtlCol="0" anchor="ctr"/>
+          <a:lstStyle/>
+          <a:p>
+            <a:pPr algn="ctr"/>
+            <a:endParaRPr lang="fi-FI"/>
+          </a:p>
+        </p:txBody>
+      </p:sp>
+      <p:sp>
+        <p:nvSpPr>
+          <p:cNvPr id="42" name="Rectangle 41"/>
+          <p:cNvSpPr/>
+          <p:nvPr/>
+        </p:nvSpPr>
+        <p:spPr>
+          <a:xfrm>
+            <a:off x="4835174" y="5330915"/>
+            <a:ext cx="288989" cy="149629"/>
+          </a:xfrm>
+          <a:prstGeom prst="rect">
+            <a:avLst/>
+          </a:prstGeom>
+        </p:spPr>
+        <p:style>
+          <a:lnRef idx="2">
+            <a:schemeClr val="accent1">
+              <a:shade val="50000"/>
+            </a:schemeClr>
+          </a:lnRef>
+          <a:fillRef idx="1">
+            <a:schemeClr val="accent1"/>
+          </a:fillRef>
+          <a:effectRef idx="0">
+            <a:schemeClr val="accent1"/>
+          </a:effectRef>
+          <a:fontRef idx="minor">
+            <a:schemeClr val="lt1"/>
+          </a:fontRef>
+        </p:style>
+        <p:txBody>
+          <a:bodyPr rtlCol="0" anchor="ctr"/>
+          <a:lstStyle/>
+          <a:p>
+            <a:pPr algn="ctr"/>
+            <a:endParaRPr lang="fi-FI"/>
+          </a:p>
+        </p:txBody>
+      </p:sp>
+      <p:sp>
+        <p:nvSpPr>
+          <p:cNvPr id="43" name="Rectangle 42"/>
+          <p:cNvSpPr/>
+          <p:nvPr/>
+        </p:nvSpPr>
+        <p:spPr>
+          <a:xfrm>
+            <a:off x="5171143" y="5340602"/>
+            <a:ext cx="288989" cy="149629"/>
+          </a:xfrm>
+          <a:prstGeom prst="rect">
+            <a:avLst/>
+          </a:prstGeom>
+        </p:spPr>
+        <p:style>
+          <a:lnRef idx="2">
+            <a:schemeClr val="accent1">
+              <a:shade val="50000"/>
+            </a:schemeClr>
+          </a:lnRef>
+          <a:fillRef idx="1">
+            <a:schemeClr val="accent1"/>
+          </a:fillRef>
+          <a:effectRef idx="0">
+            <a:schemeClr val="accent1"/>
+          </a:effectRef>
+          <a:fontRef idx="minor">
+            <a:schemeClr val="lt1"/>
+          </a:fontRef>
+        </p:style>
+        <p:txBody>
+          <a:bodyPr rtlCol="0" anchor="ctr"/>
+          <a:lstStyle/>
+          <a:p>
+            <a:pPr algn="ctr"/>
+            <a:endParaRPr lang="fi-FI"/>
+          </a:p>
+        </p:txBody>
+      </p:sp>
+      <p:sp>
+        <p:nvSpPr>
+          <p:cNvPr id="44" name="Rectangle 43"/>
+          <p:cNvSpPr/>
+          <p:nvPr/>
+        </p:nvSpPr>
+        <p:spPr>
+          <a:xfrm>
+            <a:off x="5171143" y="5580990"/>
+            <a:ext cx="288989" cy="149629"/>
+          </a:xfrm>
+          <a:prstGeom prst="rect">
+            <a:avLst/>
+          </a:prstGeom>
+        </p:spPr>
+        <p:style>
+          <a:lnRef idx="2">
+            <a:schemeClr val="accent1">
+              <a:shade val="50000"/>
+            </a:schemeClr>
+          </a:lnRef>
+          <a:fillRef idx="1">
+            <a:schemeClr val="accent1"/>
+          </a:fillRef>
+          <a:effectRef idx="0">
+            <a:schemeClr val="accent1"/>
+          </a:effectRef>
+          <a:fontRef idx="minor">
+            <a:schemeClr val="lt1"/>
+          </a:fontRef>
+        </p:style>
+        <p:txBody>
+          <a:bodyPr rtlCol="0" anchor="ctr"/>
+          <a:lstStyle/>
+          <a:p>
+            <a:pPr algn="ctr"/>
+            <a:endParaRPr lang="fi-FI"/>
+          </a:p>
+        </p:txBody>
+      </p:sp>
+      <p:sp>
+        <p:nvSpPr>
+          <p:cNvPr id="45" name="Rectangle 44"/>
+          <p:cNvSpPr/>
+          <p:nvPr/>
+        </p:nvSpPr>
+        <p:spPr>
+          <a:xfrm>
+            <a:off x="3441560" y="5590509"/>
+            <a:ext cx="288989" cy="149629"/>
+          </a:xfrm>
+          <a:prstGeom prst="rect">
+            <a:avLst/>
+          </a:prstGeom>
+        </p:spPr>
+        <p:style>
+          <a:lnRef idx="2">
+            <a:schemeClr val="accent1">
+              <a:shade val="50000"/>
+            </a:schemeClr>
+          </a:lnRef>
+          <a:fillRef idx="1">
+            <a:schemeClr val="accent1"/>
+          </a:fillRef>
+          <a:effectRef idx="0">
+            <a:schemeClr val="accent1"/>
+          </a:effectRef>
+          <a:fontRef idx="minor">
+            <a:schemeClr val="lt1"/>
+          </a:fontRef>
+        </p:style>
+        <p:txBody>
+          <a:bodyPr rtlCol="0" anchor="ctr"/>
+          <a:lstStyle/>
+          <a:p>
+            <a:pPr algn="ctr"/>
+            <a:endParaRPr lang="fi-FI"/>
+          </a:p>
+        </p:txBody>
+      </p:sp>
+      <p:sp>
+        <p:nvSpPr>
+          <p:cNvPr id="46" name="Rectangle 45"/>
+          <p:cNvSpPr/>
+          <p:nvPr/>
+        </p:nvSpPr>
+        <p:spPr>
+          <a:xfrm>
+            <a:off x="3791570" y="5580991"/>
+            <a:ext cx="288989" cy="149629"/>
+          </a:xfrm>
+          <a:prstGeom prst="rect">
+            <a:avLst/>
+          </a:prstGeom>
+        </p:spPr>
+        <p:style>
+          <a:lnRef idx="2">
+            <a:schemeClr val="accent1">
+              <a:shade val="50000"/>
+            </a:schemeClr>
+          </a:lnRef>
+          <a:fillRef idx="1">
+            <a:schemeClr val="accent1"/>
+          </a:fillRef>
+          <a:effectRef idx="0">
+            <a:schemeClr val="accent1"/>
+          </a:effectRef>
+          <a:fontRef idx="minor">
+            <a:schemeClr val="lt1"/>
+          </a:fontRef>
+        </p:style>
+        <p:txBody>
+          <a:bodyPr rtlCol="0" anchor="ctr"/>
+          <a:lstStyle/>
+          <a:p>
+            <a:pPr algn="ctr"/>
+            <a:endParaRPr lang="fi-FI"/>
+          </a:p>
+        </p:txBody>
+      </p:sp>
+      <p:sp>
+        <p:nvSpPr>
+          <p:cNvPr id="47" name="Rectangle 46"/>
+          <p:cNvSpPr/>
+          <p:nvPr/>
+        </p:nvSpPr>
+        <p:spPr>
+          <a:xfrm>
+            <a:off x="4122028" y="5580991"/>
+            <a:ext cx="288989" cy="149629"/>
+          </a:xfrm>
+          <a:prstGeom prst="rect">
+            <a:avLst/>
+          </a:prstGeom>
+        </p:spPr>
+        <p:style>
+          <a:lnRef idx="2">
+            <a:schemeClr val="accent1">
+              <a:shade val="50000"/>
+            </a:schemeClr>
+          </a:lnRef>
+          <a:fillRef idx="1">
+            <a:schemeClr val="accent1"/>
+          </a:fillRef>
+          <a:effectRef idx="0">
+            <a:schemeClr val="accent1"/>
+          </a:effectRef>
+          <a:fontRef idx="minor">
+            <a:schemeClr val="lt1"/>
+          </a:fontRef>
+        </p:style>
+        <p:txBody>
+          <a:bodyPr rtlCol="0" anchor="ctr"/>
+          <a:lstStyle/>
+          <a:p>
+            <a:pPr algn="ctr"/>
+            <a:endParaRPr lang="fi-FI"/>
+          </a:p>
+        </p:txBody>
+      </p:sp>
+      <p:sp>
+        <p:nvSpPr>
+          <p:cNvPr id="48" name="Rectangle 47"/>
+          <p:cNvSpPr/>
+          <p:nvPr/>
+        </p:nvSpPr>
+        <p:spPr>
+          <a:xfrm>
+            <a:off x="4478601" y="5580991"/>
+            <a:ext cx="288989" cy="149629"/>
+          </a:xfrm>
+          <a:prstGeom prst="rect">
+            <a:avLst/>
+          </a:prstGeom>
+        </p:spPr>
+        <p:style>
+          <a:lnRef idx="2">
+            <a:schemeClr val="accent1">
+              <a:shade val="50000"/>
+            </a:schemeClr>
+          </a:lnRef>
+          <a:fillRef idx="1">
+            <a:schemeClr val="accent1"/>
+          </a:fillRef>
+          <a:effectRef idx="0">
+            <a:schemeClr val="accent1"/>
+          </a:effectRef>
+          <a:fontRef idx="minor">
+            <a:schemeClr val="lt1"/>
+          </a:fontRef>
+        </p:style>
+        <p:txBody>
+          <a:bodyPr rtlCol="0" anchor="ctr"/>
+          <a:lstStyle/>
+          <a:p>
+            <a:pPr algn="ctr"/>
+            <a:endParaRPr lang="fi-FI"/>
+          </a:p>
+        </p:txBody>
+      </p:sp>
+      <p:sp>
+        <p:nvSpPr>
+          <p:cNvPr id="49" name="Rectangle 48"/>
+          <p:cNvSpPr/>
+          <p:nvPr/>
+        </p:nvSpPr>
+        <p:spPr>
+          <a:xfrm>
+            <a:off x="4835174" y="5580991"/>
+            <a:ext cx="288989" cy="149629"/>
+          </a:xfrm>
+          <a:prstGeom prst="rect">
+            <a:avLst/>
+          </a:prstGeom>
+        </p:spPr>
+        <p:style>
+          <a:lnRef idx="2">
+            <a:schemeClr val="accent1">
+              <a:shade val="50000"/>
+            </a:schemeClr>
+          </a:lnRef>
+          <a:fillRef idx="1">
+            <a:schemeClr val="accent1"/>
+          </a:fillRef>
+          <a:effectRef idx="0">
+            <a:schemeClr val="accent1"/>
+          </a:effectRef>
+          <a:fontRef idx="minor">
+            <a:schemeClr val="lt1"/>
+          </a:fontRef>
+        </p:style>
+        <p:txBody>
+          <a:bodyPr rtlCol="0" anchor="ctr"/>
+          <a:lstStyle/>
+          <a:p>
+            <a:pPr algn="ctr"/>
+            <a:endParaRPr lang="fi-FI"/>
+          </a:p>
+        </p:txBody>
+      </p:sp>
+      <p:sp>
+        <p:nvSpPr>
+          <p:cNvPr id="50" name="Rectangle 49"/>
+          <p:cNvSpPr/>
+          <p:nvPr/>
+        </p:nvSpPr>
+        <p:spPr>
+          <a:xfrm>
+            <a:off x="5725746" y="5330965"/>
+            <a:ext cx="288989" cy="149629"/>
+          </a:xfrm>
+          <a:prstGeom prst="rect">
+            <a:avLst/>
+          </a:prstGeom>
+        </p:spPr>
+        <p:style>
+          <a:lnRef idx="2">
+            <a:schemeClr val="accent1">
+              <a:shade val="50000"/>
+            </a:schemeClr>
+          </a:lnRef>
+          <a:fillRef idx="1">
+            <a:schemeClr val="accent1"/>
+          </a:fillRef>
+          <a:effectRef idx="0">
+            <a:schemeClr val="accent1"/>
+          </a:effectRef>
+          <a:fontRef idx="minor">
+            <a:schemeClr val="lt1"/>
+          </a:fontRef>
+        </p:style>
+        <p:txBody>
+          <a:bodyPr rtlCol="0" anchor="ctr"/>
+          <a:lstStyle/>
+          <a:p>
+            <a:pPr algn="ctr"/>
+            <a:endParaRPr lang="fi-FI"/>
+          </a:p>
+        </p:txBody>
+      </p:sp>
+      <p:sp>
+        <p:nvSpPr>
+          <p:cNvPr id="51" name="Rectangle 50"/>
+          <p:cNvSpPr/>
+          <p:nvPr/>
+        </p:nvSpPr>
+        <p:spPr>
+          <a:xfrm>
+            <a:off x="6069201" y="5330964"/>
+            <a:ext cx="288989" cy="149629"/>
+          </a:xfrm>
+          <a:prstGeom prst="rect">
+            <a:avLst/>
+          </a:prstGeom>
+        </p:spPr>
+        <p:style>
+          <a:lnRef idx="2">
+            <a:schemeClr val="accent1">
+              <a:shade val="50000"/>
+            </a:schemeClr>
+          </a:lnRef>
+          <a:fillRef idx="1">
+            <a:schemeClr val="accent1"/>
+          </a:fillRef>
+          <a:effectRef idx="0">
+            <a:schemeClr val="accent1"/>
+          </a:effectRef>
+          <a:fontRef idx="minor">
+            <a:schemeClr val="lt1"/>
+          </a:fontRef>
+        </p:style>
+        <p:txBody>
+          <a:bodyPr rtlCol="0" anchor="ctr"/>
+          <a:lstStyle/>
+          <a:p>
+            <a:pPr algn="ctr"/>
+            <a:endParaRPr lang="fi-FI"/>
+          </a:p>
+        </p:txBody>
+      </p:sp>
+      <p:sp>
+        <p:nvSpPr>
+          <p:cNvPr id="52" name="Rectangle 51"/>
+          <p:cNvSpPr/>
+          <p:nvPr/>
+        </p:nvSpPr>
+        <p:spPr>
+          <a:xfrm>
+            <a:off x="6410929" y="5325450"/>
+            <a:ext cx="288989" cy="149629"/>
+          </a:xfrm>
+          <a:prstGeom prst="rect">
+            <a:avLst/>
+          </a:prstGeom>
+        </p:spPr>
+        <p:style>
+          <a:lnRef idx="2">
+            <a:schemeClr val="accent1">
+              <a:shade val="50000"/>
+            </a:schemeClr>
+          </a:lnRef>
+          <a:fillRef idx="1">
+            <a:schemeClr val="accent1"/>
+          </a:fillRef>
+          <a:effectRef idx="0">
+            <a:schemeClr val="accent1"/>
+          </a:effectRef>
+          <a:fontRef idx="minor">
+            <a:schemeClr val="lt1"/>
+          </a:fontRef>
+        </p:style>
+        <p:txBody>
+          <a:bodyPr rtlCol="0" anchor="ctr"/>
+          <a:lstStyle/>
+          <a:p>
+            <a:pPr algn="ctr"/>
+            <a:endParaRPr lang="fi-FI"/>
+          </a:p>
+        </p:txBody>
+      </p:sp>
+      <p:sp>
+        <p:nvSpPr>
+          <p:cNvPr id="53" name="Rectangle 52"/>
+          <p:cNvSpPr/>
+          <p:nvPr/>
+        </p:nvSpPr>
+        <p:spPr>
+          <a:xfrm>
+            <a:off x="6758987" y="5330915"/>
+            <a:ext cx="288989" cy="149629"/>
+          </a:xfrm>
+          <a:prstGeom prst="rect">
+            <a:avLst/>
+          </a:prstGeom>
+        </p:spPr>
+        <p:style>
+          <a:lnRef idx="2">
+            <a:schemeClr val="accent1">
+              <a:shade val="50000"/>
+            </a:schemeClr>
+          </a:lnRef>
+          <a:fillRef idx="1">
+            <a:schemeClr val="accent1"/>
+          </a:fillRef>
+          <a:effectRef idx="0">
+            <a:schemeClr val="accent1"/>
+          </a:effectRef>
+          <a:fontRef idx="minor">
+            <a:schemeClr val="lt1"/>
+          </a:fontRef>
+        </p:style>
+        <p:txBody>
+          <a:bodyPr rtlCol="0" anchor="ctr"/>
+          <a:lstStyle/>
+          <a:p>
+            <a:pPr algn="ctr"/>
+            <a:endParaRPr lang="fi-FI"/>
+          </a:p>
+        </p:txBody>
+      </p:sp>
+      <p:sp>
+        <p:nvSpPr>
+          <p:cNvPr id="54" name="Rectangle 53"/>
+          <p:cNvSpPr/>
+          <p:nvPr/>
+        </p:nvSpPr>
+        <p:spPr>
+          <a:xfrm>
+            <a:off x="7112804" y="5330915"/>
+            <a:ext cx="288989" cy="149629"/>
+          </a:xfrm>
+          <a:prstGeom prst="rect">
+            <a:avLst/>
+          </a:prstGeom>
+        </p:spPr>
+        <p:style>
+          <a:lnRef idx="2">
+            <a:schemeClr val="accent1">
+              <a:shade val="50000"/>
+            </a:schemeClr>
+          </a:lnRef>
+          <a:fillRef idx="1">
+            <a:schemeClr val="accent1"/>
+          </a:fillRef>
+          <a:effectRef idx="0">
+            <a:schemeClr val="accent1"/>
+          </a:effectRef>
+          <a:fontRef idx="minor">
+            <a:schemeClr val="lt1"/>
+          </a:fontRef>
+        </p:style>
+        <p:txBody>
+          <a:bodyPr rtlCol="0" anchor="ctr"/>
+          <a:lstStyle/>
+          <a:p>
+            <a:pPr algn="ctr"/>
+            <a:endParaRPr lang="fi-FI"/>
+          </a:p>
+        </p:txBody>
+      </p:sp>
+      <p:sp>
+        <p:nvSpPr>
+          <p:cNvPr id="55" name="Rectangle 54"/>
+          <p:cNvSpPr/>
+          <p:nvPr/>
+        </p:nvSpPr>
+        <p:spPr>
+          <a:xfrm>
+            <a:off x="7448773" y="5340602"/>
+            <a:ext cx="288989" cy="149629"/>
+          </a:xfrm>
+          <a:prstGeom prst="rect">
+            <a:avLst/>
+          </a:prstGeom>
+        </p:spPr>
+        <p:style>
+          <a:lnRef idx="2">
+            <a:schemeClr val="accent1">
+              <a:shade val="50000"/>
+            </a:schemeClr>
+          </a:lnRef>
+          <a:fillRef idx="1">
+            <a:schemeClr val="accent1"/>
+          </a:fillRef>
+          <a:effectRef idx="0">
+            <a:schemeClr val="accent1"/>
+          </a:effectRef>
+          <a:fontRef idx="minor">
+            <a:schemeClr val="lt1"/>
+          </a:fontRef>
+        </p:style>
+        <p:txBody>
+          <a:bodyPr rtlCol="0" anchor="ctr"/>
+          <a:lstStyle/>
+          <a:p>
+            <a:pPr algn="ctr"/>
+            <a:endParaRPr lang="fi-FI"/>
+          </a:p>
+        </p:txBody>
+      </p:sp>
+      <p:sp>
+        <p:nvSpPr>
+          <p:cNvPr id="56" name="Rectangle 55"/>
+          <p:cNvSpPr/>
+          <p:nvPr/>
+        </p:nvSpPr>
+        <p:spPr>
+          <a:xfrm>
+            <a:off x="7448773" y="5580990"/>
+            <a:ext cx="288989" cy="149629"/>
+          </a:xfrm>
+          <a:prstGeom prst="rect">
+            <a:avLst/>
+          </a:prstGeom>
+        </p:spPr>
+        <p:style>
+          <a:lnRef idx="2">
+            <a:schemeClr val="accent1">
+              <a:shade val="50000"/>
+            </a:schemeClr>
+          </a:lnRef>
+          <a:fillRef idx="1">
+            <a:schemeClr val="accent1"/>
+          </a:fillRef>
+          <a:effectRef idx="0">
+            <a:schemeClr val="accent1"/>
+          </a:effectRef>
+          <a:fontRef idx="minor">
+            <a:schemeClr val="lt1"/>
+          </a:fontRef>
+        </p:style>
+        <p:txBody>
+          <a:bodyPr rtlCol="0" anchor="ctr"/>
+          <a:lstStyle/>
+          <a:p>
+            <a:pPr algn="ctr"/>
+            <a:endParaRPr lang="fi-FI"/>
+          </a:p>
+        </p:txBody>
+      </p:sp>
+      <p:sp>
+        <p:nvSpPr>
+          <p:cNvPr id="57" name="Rectangle 56"/>
+          <p:cNvSpPr/>
+          <p:nvPr/>
+        </p:nvSpPr>
+        <p:spPr>
+          <a:xfrm>
+            <a:off x="5719190" y="5590509"/>
+            <a:ext cx="288989" cy="149629"/>
+          </a:xfrm>
+          <a:prstGeom prst="rect">
+            <a:avLst/>
+          </a:prstGeom>
+        </p:spPr>
+        <p:style>
+          <a:lnRef idx="2">
+            <a:schemeClr val="accent1">
+              <a:shade val="50000"/>
+            </a:schemeClr>
+          </a:lnRef>
+          <a:fillRef idx="1">
+            <a:schemeClr val="accent1"/>
+          </a:fillRef>
+          <a:effectRef idx="0">
+            <a:schemeClr val="accent1"/>
+          </a:effectRef>
+          <a:fontRef idx="minor">
+            <a:schemeClr val="lt1"/>
+          </a:fontRef>
+        </p:style>
+        <p:txBody>
+          <a:bodyPr rtlCol="0" anchor="ctr"/>
+          <a:lstStyle/>
+          <a:p>
+            <a:pPr algn="ctr"/>
+            <a:endParaRPr lang="fi-FI"/>
+          </a:p>
+        </p:txBody>
+      </p:sp>
+      <p:sp>
+        <p:nvSpPr>
+          <p:cNvPr id="58" name="Rectangle 57"/>
+          <p:cNvSpPr/>
+          <p:nvPr/>
+        </p:nvSpPr>
+        <p:spPr>
+          <a:xfrm>
+            <a:off x="6069200" y="5580991"/>
+            <a:ext cx="288989" cy="149629"/>
+          </a:xfrm>
+          <a:prstGeom prst="rect">
+            <a:avLst/>
+          </a:prstGeom>
+        </p:spPr>
+        <p:style>
+          <a:lnRef idx="2">
+            <a:schemeClr val="accent1">
+              <a:shade val="50000"/>
+            </a:schemeClr>
+          </a:lnRef>
+          <a:fillRef idx="1">
+            <a:schemeClr val="accent1"/>
+          </a:fillRef>
+          <a:effectRef idx="0">
+            <a:schemeClr val="accent1"/>
+          </a:effectRef>
+          <a:fontRef idx="minor">
+            <a:schemeClr val="lt1"/>
+          </a:fontRef>
+        </p:style>
+        <p:txBody>
+          <a:bodyPr rtlCol="0" anchor="ctr"/>
+          <a:lstStyle/>
+          <a:p>
+            <a:pPr algn="ctr"/>
+            <a:endParaRPr lang="fi-FI"/>
+          </a:p>
+        </p:txBody>
+      </p:sp>
+      <p:sp>
+        <p:nvSpPr>
+          <p:cNvPr id="59" name="Rectangle 58"/>
+          <p:cNvSpPr/>
+          <p:nvPr/>
+        </p:nvSpPr>
+        <p:spPr>
+          <a:xfrm>
+            <a:off x="6399658" y="5580991"/>
+            <a:ext cx="288989" cy="149629"/>
+          </a:xfrm>
+          <a:prstGeom prst="rect">
+            <a:avLst/>
+          </a:prstGeom>
+        </p:spPr>
+        <p:style>
+          <a:lnRef idx="2">
+            <a:schemeClr val="accent1">
+              <a:shade val="50000"/>
+            </a:schemeClr>
+          </a:lnRef>
+          <a:fillRef idx="1">
+            <a:schemeClr val="accent1"/>
+          </a:fillRef>
+          <a:effectRef idx="0">
+            <a:schemeClr val="accent1"/>
+          </a:effectRef>
+          <a:fontRef idx="minor">
+            <a:schemeClr val="lt1"/>
+          </a:fontRef>
+        </p:style>
+        <p:txBody>
+          <a:bodyPr rtlCol="0" anchor="ctr"/>
+          <a:lstStyle/>
+          <a:p>
+            <a:pPr algn="ctr"/>
+            <a:endParaRPr lang="fi-FI"/>
+          </a:p>
+        </p:txBody>
+      </p:sp>
+      <p:sp>
+        <p:nvSpPr>
+          <p:cNvPr id="60" name="Rectangle 59"/>
+          <p:cNvSpPr/>
+          <p:nvPr/>
+        </p:nvSpPr>
+        <p:spPr>
+          <a:xfrm>
+            <a:off x="6756231" y="5580991"/>
+            <a:ext cx="288989" cy="149629"/>
+          </a:xfrm>
+          <a:prstGeom prst="rect">
+            <a:avLst/>
+          </a:prstGeom>
+        </p:spPr>
+        <p:style>
+          <a:lnRef idx="2">
+            <a:schemeClr val="accent1">
+              <a:shade val="50000"/>
+            </a:schemeClr>
+          </a:lnRef>
+          <a:fillRef idx="1">
+            <a:schemeClr val="accent1"/>
+          </a:fillRef>
+          <a:effectRef idx="0">
+            <a:schemeClr val="accent1"/>
+          </a:effectRef>
+          <a:fontRef idx="minor">
+            <a:schemeClr val="lt1"/>
+          </a:fontRef>
+        </p:style>
+        <p:txBody>
+          <a:bodyPr rtlCol="0" anchor="ctr"/>
+          <a:lstStyle/>
+          <a:p>
+            <a:pPr algn="ctr"/>
+            <a:endParaRPr lang="fi-FI"/>
+          </a:p>
+        </p:txBody>
+      </p:sp>
+      <p:sp>
+        <p:nvSpPr>
+          <p:cNvPr id="61" name="Rectangle 60"/>
+          <p:cNvSpPr/>
+          <p:nvPr/>
+        </p:nvSpPr>
+        <p:spPr>
+          <a:xfrm>
+            <a:off x="7112804" y="5580991"/>
+            <a:ext cx="288989" cy="149629"/>
+          </a:xfrm>
+          <a:prstGeom prst="rect">
+            <a:avLst/>
+          </a:prstGeom>
+        </p:spPr>
+        <p:style>
+          <a:lnRef idx="2">
+            <a:schemeClr val="accent1">
+              <a:shade val="50000"/>
+            </a:schemeClr>
+          </a:lnRef>
+          <a:fillRef idx="1">
+            <a:schemeClr val="accent1"/>
+          </a:fillRef>
+          <a:effectRef idx="0">
+            <a:schemeClr val="accent1"/>
+          </a:effectRef>
+          <a:fontRef idx="minor">
+            <a:schemeClr val="lt1"/>
+          </a:fontRef>
+        </p:style>
+        <p:txBody>
+          <a:bodyPr rtlCol="0" anchor="ctr"/>
+          <a:lstStyle/>
+          <a:p>
+            <a:pPr algn="ctr"/>
+            <a:endParaRPr lang="fi-FI"/>
+          </a:p>
+        </p:txBody>
+      </p:sp>
+      <p:sp>
+        <p:nvSpPr>
+          <p:cNvPr id="62" name="Rectangle 61"/>
+          <p:cNvSpPr/>
+          <p:nvPr/>
+        </p:nvSpPr>
+        <p:spPr>
+          <a:xfrm>
+            <a:off x="5725746" y="4798330"/>
+            <a:ext cx="288989" cy="149629"/>
+          </a:xfrm>
+          <a:prstGeom prst="rect">
+            <a:avLst/>
+          </a:prstGeom>
+        </p:spPr>
+        <p:style>
+          <a:lnRef idx="2">
+            <a:schemeClr val="accent1">
+              <a:shade val="50000"/>
+            </a:schemeClr>
+          </a:lnRef>
+          <a:fillRef idx="1">
+            <a:schemeClr val="accent1"/>
+          </a:fillRef>
+          <a:effectRef idx="0">
+            <a:schemeClr val="accent1"/>
+          </a:effectRef>
+          <a:fontRef idx="minor">
+            <a:schemeClr val="lt1"/>
+          </a:fontRef>
+        </p:style>
+        <p:txBody>
+          <a:bodyPr rtlCol="0" anchor="ctr"/>
+          <a:lstStyle/>
+          <a:p>
+            <a:pPr algn="ctr"/>
+            <a:endParaRPr lang="fi-FI"/>
+          </a:p>
+        </p:txBody>
+      </p:sp>
+      <p:sp>
+        <p:nvSpPr>
+          <p:cNvPr id="63" name="Rectangle 62"/>
+          <p:cNvSpPr/>
+          <p:nvPr/>
+        </p:nvSpPr>
+        <p:spPr>
+          <a:xfrm>
+            <a:off x="6069201" y="4798329"/>
+            <a:ext cx="288989" cy="149629"/>
+          </a:xfrm>
+          <a:prstGeom prst="rect">
+            <a:avLst/>
+          </a:prstGeom>
+        </p:spPr>
+        <p:style>
+          <a:lnRef idx="2">
+            <a:schemeClr val="accent1">
+              <a:shade val="50000"/>
+            </a:schemeClr>
+          </a:lnRef>
+          <a:fillRef idx="1">
+            <a:schemeClr val="accent1"/>
+          </a:fillRef>
+          <a:effectRef idx="0">
+            <a:schemeClr val="accent1"/>
+          </a:effectRef>
+          <a:fontRef idx="minor">
+            <a:schemeClr val="lt1"/>
+          </a:fontRef>
+        </p:style>
+        <p:txBody>
+          <a:bodyPr rtlCol="0" anchor="ctr"/>
+          <a:lstStyle/>
+          <a:p>
+            <a:pPr algn="ctr"/>
+            <a:endParaRPr lang="fi-FI"/>
+          </a:p>
+        </p:txBody>
+      </p:sp>
+      <p:sp>
+        <p:nvSpPr>
+          <p:cNvPr id="64" name="Rectangle 63"/>
+          <p:cNvSpPr/>
+          <p:nvPr/>
+        </p:nvSpPr>
+        <p:spPr>
+          <a:xfrm>
+            <a:off x="6410929" y="4792815"/>
+            <a:ext cx="288989" cy="149629"/>
+          </a:xfrm>
+          <a:prstGeom prst="rect">
+            <a:avLst/>
+          </a:prstGeom>
+        </p:spPr>
+        <p:style>
+          <a:lnRef idx="2">
+            <a:schemeClr val="accent1">
+              <a:shade val="50000"/>
+            </a:schemeClr>
+          </a:lnRef>
+          <a:fillRef idx="1">
+            <a:schemeClr val="accent1"/>
+          </a:fillRef>
+          <a:effectRef idx="0">
+            <a:schemeClr val="accent1"/>
+          </a:effectRef>
+          <a:fontRef idx="minor">
+            <a:schemeClr val="lt1"/>
+          </a:fontRef>
+        </p:style>
+        <p:txBody>
+          <a:bodyPr rtlCol="0" anchor="ctr"/>
+          <a:lstStyle/>
+          <a:p>
+            <a:pPr algn="ctr"/>
+            <a:endParaRPr lang="fi-FI"/>
+          </a:p>
+        </p:txBody>
+      </p:sp>
+      <p:sp>
+        <p:nvSpPr>
+          <p:cNvPr id="65" name="Rectangle 64"/>
+          <p:cNvSpPr/>
+          <p:nvPr/>
+        </p:nvSpPr>
+        <p:spPr>
+          <a:xfrm>
+            <a:off x="6758987" y="4798280"/>
+            <a:ext cx="288989" cy="149629"/>
+          </a:xfrm>
+          <a:prstGeom prst="rect">
+            <a:avLst/>
+          </a:prstGeom>
+        </p:spPr>
+        <p:style>
+          <a:lnRef idx="2">
+            <a:schemeClr val="accent1">
+              <a:shade val="50000"/>
+            </a:schemeClr>
+          </a:lnRef>
+          <a:fillRef idx="1">
+            <a:schemeClr val="accent1"/>
+          </a:fillRef>
+          <a:effectRef idx="0">
+            <a:schemeClr val="accent1"/>
+          </a:effectRef>
+          <a:fontRef idx="minor">
+            <a:schemeClr val="lt1"/>
+          </a:fontRef>
+        </p:style>
+        <p:txBody>
+          <a:bodyPr rtlCol="0" anchor="ctr"/>
+          <a:lstStyle/>
+          <a:p>
+            <a:pPr algn="ctr"/>
+            <a:endParaRPr lang="fi-FI"/>
+          </a:p>
+        </p:txBody>
+      </p:sp>
+      <p:sp>
+        <p:nvSpPr>
+          <p:cNvPr id="66" name="Rectangle 65"/>
+          <p:cNvSpPr/>
+          <p:nvPr/>
+        </p:nvSpPr>
+        <p:spPr>
+          <a:xfrm>
+            <a:off x="7112804" y="4798280"/>
+            <a:ext cx="288989" cy="149629"/>
+          </a:xfrm>
+          <a:prstGeom prst="rect">
+            <a:avLst/>
+          </a:prstGeom>
+        </p:spPr>
+        <p:style>
+          <a:lnRef idx="2">
+            <a:schemeClr val="accent1">
+              <a:shade val="50000"/>
+            </a:schemeClr>
+          </a:lnRef>
+          <a:fillRef idx="1">
+            <a:schemeClr val="accent1"/>
+          </a:fillRef>
+          <a:effectRef idx="0">
+            <a:schemeClr val="accent1"/>
+          </a:effectRef>
+          <a:fontRef idx="minor">
+            <a:schemeClr val="lt1"/>
+          </a:fontRef>
+        </p:style>
+        <p:txBody>
+          <a:bodyPr rtlCol="0" anchor="ctr"/>
+          <a:lstStyle/>
+          <a:p>
+            <a:pPr algn="ctr"/>
+            <a:endParaRPr lang="fi-FI"/>
+          </a:p>
+        </p:txBody>
+      </p:sp>
+      <p:sp>
+        <p:nvSpPr>
+          <p:cNvPr id="67" name="Rectangle 66"/>
+          <p:cNvSpPr/>
+          <p:nvPr/>
+        </p:nvSpPr>
+        <p:spPr>
+          <a:xfrm>
+            <a:off x="7448773" y="4807967"/>
+            <a:ext cx="288989" cy="149629"/>
+          </a:xfrm>
+          <a:prstGeom prst="rect">
+            <a:avLst/>
+          </a:prstGeom>
+        </p:spPr>
+        <p:style>
+          <a:lnRef idx="2">
+            <a:schemeClr val="accent1">
+              <a:shade val="50000"/>
+            </a:schemeClr>
+          </a:lnRef>
+          <a:fillRef idx="1">
+            <a:schemeClr val="accent1"/>
+          </a:fillRef>
+          <a:effectRef idx="0">
+            <a:schemeClr val="accent1"/>
+          </a:effectRef>
+          <a:fontRef idx="minor">
+            <a:schemeClr val="lt1"/>
+          </a:fontRef>
+        </p:style>
+        <p:txBody>
+          <a:bodyPr rtlCol="0" anchor="ctr"/>
+          <a:lstStyle/>
+          <a:p>
+            <a:pPr algn="ctr"/>
+            <a:endParaRPr lang="fi-FI"/>
+          </a:p>
+        </p:txBody>
+      </p:sp>
+      <p:sp>
+        <p:nvSpPr>
+          <p:cNvPr id="68" name="Rectangle 67"/>
+          <p:cNvSpPr/>
+          <p:nvPr/>
+        </p:nvSpPr>
+        <p:spPr>
+          <a:xfrm>
+            <a:off x="7448773" y="5048355"/>
+            <a:ext cx="288989" cy="149629"/>
+          </a:xfrm>
+          <a:prstGeom prst="rect">
+            <a:avLst/>
+          </a:prstGeom>
+        </p:spPr>
+        <p:style>
+          <a:lnRef idx="2">
+            <a:schemeClr val="accent1">
+              <a:shade val="50000"/>
+            </a:schemeClr>
+          </a:lnRef>
+          <a:fillRef idx="1">
+            <a:schemeClr val="accent1"/>
+          </a:fillRef>
+          <a:effectRef idx="0">
+            <a:schemeClr val="accent1"/>
+          </a:effectRef>
+          <a:fontRef idx="minor">
+            <a:schemeClr val="lt1"/>
+          </a:fontRef>
+        </p:style>
+        <p:txBody>
+          <a:bodyPr rtlCol="0" anchor="ctr"/>
+          <a:lstStyle/>
+          <a:p>
+            <a:pPr algn="ctr"/>
+            <a:endParaRPr lang="fi-FI"/>
+          </a:p>
+        </p:txBody>
+      </p:sp>
+      <p:sp>
+        <p:nvSpPr>
+          <p:cNvPr id="69" name="Rectangle 68"/>
+          <p:cNvSpPr/>
+          <p:nvPr/>
+        </p:nvSpPr>
+        <p:spPr>
+          <a:xfrm>
+            <a:off x="5719190" y="5057874"/>
+            <a:ext cx="288989" cy="149629"/>
+          </a:xfrm>
+          <a:prstGeom prst="rect">
+            <a:avLst/>
+          </a:prstGeom>
+        </p:spPr>
+        <p:style>
+          <a:lnRef idx="2">
+            <a:schemeClr val="accent1">
+              <a:shade val="50000"/>
+            </a:schemeClr>
+          </a:lnRef>
+          <a:fillRef idx="1">
+            <a:schemeClr val="accent1"/>
+          </a:fillRef>
+          <a:effectRef idx="0">
+            <a:schemeClr val="accent1"/>
+          </a:effectRef>
+          <a:fontRef idx="minor">
+            <a:schemeClr val="lt1"/>
+          </a:fontRef>
+        </p:style>
+        <p:txBody>
+          <a:bodyPr rtlCol="0" anchor="ctr"/>
+          <a:lstStyle/>
+          <a:p>
+            <a:pPr algn="ctr"/>
+            <a:endParaRPr lang="fi-FI"/>
+          </a:p>
+        </p:txBody>
+      </p:sp>
+      <p:sp>
+        <p:nvSpPr>
+          <p:cNvPr id="70" name="Rectangle 69"/>
+          <p:cNvSpPr/>
+          <p:nvPr/>
+        </p:nvSpPr>
+        <p:spPr>
+          <a:xfrm>
+            <a:off x="6069200" y="5048356"/>
+            <a:ext cx="288989" cy="149629"/>
+          </a:xfrm>
+          <a:prstGeom prst="rect">
+            <a:avLst/>
+          </a:prstGeom>
+        </p:spPr>
+        <p:style>
+          <a:lnRef idx="2">
+            <a:schemeClr val="accent1">
+              <a:shade val="50000"/>
+            </a:schemeClr>
+          </a:lnRef>
+          <a:fillRef idx="1">
+            <a:schemeClr val="accent1"/>
+          </a:fillRef>
+          <a:effectRef idx="0">
+            <a:schemeClr val="accent1"/>
+          </a:effectRef>
+          <a:fontRef idx="minor">
+            <a:schemeClr val="lt1"/>
+          </a:fontRef>
+        </p:style>
+        <p:txBody>
+          <a:bodyPr rtlCol="0" anchor="ctr"/>
+          <a:lstStyle/>
+          <a:p>
+            <a:pPr algn="ctr"/>
+            <a:endParaRPr lang="fi-FI"/>
+          </a:p>
+        </p:txBody>
+      </p:sp>
+      <p:sp>
+        <p:nvSpPr>
+          <p:cNvPr id="71" name="Rectangle 70"/>
+          <p:cNvSpPr/>
+          <p:nvPr/>
+        </p:nvSpPr>
+        <p:spPr>
+          <a:xfrm>
+            <a:off x="6399658" y="5048356"/>
+            <a:ext cx="288989" cy="149629"/>
+          </a:xfrm>
+          <a:prstGeom prst="rect">
+            <a:avLst/>
+          </a:prstGeom>
+        </p:spPr>
+        <p:style>
+          <a:lnRef idx="2">
+            <a:schemeClr val="accent1">
+              <a:shade val="50000"/>
+            </a:schemeClr>
+          </a:lnRef>
+          <a:fillRef idx="1">
+            <a:schemeClr val="accent1"/>
+          </a:fillRef>
+          <a:effectRef idx="0">
+            <a:schemeClr val="accent1"/>
+          </a:effectRef>
+          <a:fontRef idx="minor">
+            <a:schemeClr val="lt1"/>
+          </a:fontRef>
+        </p:style>
+        <p:txBody>
+          <a:bodyPr rtlCol="0" anchor="ctr"/>
+          <a:lstStyle/>
+          <a:p>
+            <a:pPr algn="ctr"/>
+            <a:endParaRPr lang="fi-FI"/>
+          </a:p>
+        </p:txBody>
+      </p:sp>
+      <p:sp>
+        <p:nvSpPr>
+          <p:cNvPr id="72" name="Rectangle 71"/>
+          <p:cNvSpPr/>
+          <p:nvPr/>
+        </p:nvSpPr>
+        <p:spPr>
+          <a:xfrm>
+            <a:off x="6756231" y="5048356"/>
+            <a:ext cx="288989" cy="149629"/>
+          </a:xfrm>
+          <a:prstGeom prst="rect">
+            <a:avLst/>
+          </a:prstGeom>
+        </p:spPr>
+        <p:style>
+          <a:lnRef idx="2">
+            <a:schemeClr val="accent1">
+              <a:shade val="50000"/>
+            </a:schemeClr>
+          </a:lnRef>
+          <a:fillRef idx="1">
+            <a:schemeClr val="accent1"/>
+          </a:fillRef>
+          <a:effectRef idx="0">
+            <a:schemeClr val="accent1"/>
+          </a:effectRef>
+          <a:fontRef idx="minor">
+            <a:schemeClr val="lt1"/>
+          </a:fontRef>
+        </p:style>
+        <p:txBody>
+          <a:bodyPr rtlCol="0" anchor="ctr"/>
+          <a:lstStyle/>
+          <a:p>
+            <a:pPr algn="ctr"/>
+            <a:endParaRPr lang="fi-FI"/>
+          </a:p>
+        </p:txBody>
+      </p:sp>
+      <p:sp>
+        <p:nvSpPr>
+          <p:cNvPr id="73" name="Rectangle 72"/>
+          <p:cNvSpPr/>
+          <p:nvPr/>
+        </p:nvSpPr>
+        <p:spPr>
+          <a:xfrm>
+            <a:off x="7112804" y="5048356"/>
+            <a:ext cx="288989" cy="149629"/>
+          </a:xfrm>
+          <a:prstGeom prst="rect">
+            <a:avLst/>
+          </a:prstGeom>
+        </p:spPr>
+        <p:style>
+          <a:lnRef idx="2">
+            <a:schemeClr val="accent1">
+              <a:shade val="50000"/>
+            </a:schemeClr>
+          </a:lnRef>
+          <a:fillRef idx="1">
+            <a:schemeClr val="accent1"/>
+          </a:fillRef>
+          <a:effectRef idx="0">
+            <a:schemeClr val="accent1"/>
+          </a:effectRef>
+          <a:fontRef idx="minor">
+            <a:schemeClr val="lt1"/>
+          </a:fontRef>
+        </p:style>
+        <p:txBody>
+          <a:bodyPr rtlCol="0" anchor="ctr"/>
+          <a:lstStyle/>
+          <a:p>
+            <a:pPr algn="ctr"/>
+            <a:endParaRPr lang="fi-FI"/>
           </a:p>
         </p:txBody>
       </p:sp>
